--- a/Capstone Project/CAP_SER_TSv02.pptx
+++ b/Capstone Project/CAP_SER_TSv02.pptx
@@ -3728,8 +3728,8 @@
         </p:nvSpPr>
         <p:spPr>
           <a:xfrm>
-            <a:off x="1250764" y="1920895"/>
-            <a:ext cx="9690474" cy="3262432"/>
+            <a:off x="2045052" y="1920895"/>
+            <a:ext cx="8101897" cy="3262432"/>
           </a:xfrm>
           <a:prstGeom prst="rect">
             <a:avLst/>
@@ -3780,7 +3780,7 @@
                   <a:schemeClr val="accent1"/>
                 </a:solidFill>
               </a:rPr>
-              <a:t>using Convolutional Neural Networks (CNNs)</a:t>
+              <a:t>using Convolutional Neural Networks</a:t>
             </a:r>
           </a:p>
           <a:p>
@@ -9399,8 +9399,8 @@
           </p:nvSpPr>
           <p:spPr>
             <a:xfrm>
-              <a:off x="7184226" y="3265311"/>
-              <a:ext cx="1691489" cy="954107"/>
+              <a:off x="7195446" y="3265311"/>
+              <a:ext cx="1669048" cy="954107"/>
             </a:xfrm>
             <a:prstGeom prst="rect">
               <a:avLst/>
@@ -9438,7 +9438,7 @@
                     <a:srgbClr val="FFC000"/>
                   </a:solidFill>
                 </a:rPr>
-                <a:t>Modelling</a:t>
+                <a:t>modelling</a:t>
               </a:r>
             </a:p>
           </p:txBody>
@@ -11031,7 +11031,7 @@
                   <a:schemeClr val="bg1"/>
                 </a:solidFill>
               </a:rPr>
-              <a:t>audio data</a:t>
+              <a:t>Audio Data</a:t>
             </a:r>
           </a:p>
         </p:txBody>

--- a/Capstone Project/CAP_SER_TSv02.pptx
+++ b/Capstone Project/CAP_SER_TSv02.pptx
@@ -211,7 +211,7 @@
           <a:p>
             <a:fld id="{326D940E-16FB-4F57-AF61-6B4A8A79515C}" type="datetimeFigureOut">
               <a:rPr lang="en-AU" smtClean="0"/>
-              <a:t>14/04/2023</a:t>
+              <a:t>15/04/2023</a:t>
             </a:fld>
             <a:endParaRPr lang="en-AU"/>
           </a:p>
@@ -628,7 +628,7 @@
           <a:p>
             <a:fld id="{9C295E4B-FD35-4134-870D-432003C23A6F}" type="datetimeFigureOut">
               <a:rPr lang="en-AU" smtClean="0"/>
-              <a:t>14/04/2023</a:t>
+              <a:t>15/04/2023</a:t>
             </a:fld>
             <a:endParaRPr lang="en-AU"/>
           </a:p>
@@ -828,7 +828,7 @@
           <a:p>
             <a:fld id="{9C295E4B-FD35-4134-870D-432003C23A6F}" type="datetimeFigureOut">
               <a:rPr lang="en-AU" smtClean="0"/>
-              <a:t>14/04/2023</a:t>
+              <a:t>15/04/2023</a:t>
             </a:fld>
             <a:endParaRPr lang="en-AU"/>
           </a:p>
@@ -1038,7 +1038,7 @@
           <a:p>
             <a:fld id="{9C295E4B-FD35-4134-870D-432003C23A6F}" type="datetimeFigureOut">
               <a:rPr lang="en-AU" smtClean="0"/>
-              <a:t>14/04/2023</a:t>
+              <a:t>15/04/2023</a:t>
             </a:fld>
             <a:endParaRPr lang="en-AU"/>
           </a:p>
@@ -1238,7 +1238,7 @@
           <a:p>
             <a:fld id="{9C295E4B-FD35-4134-870D-432003C23A6F}" type="datetimeFigureOut">
               <a:rPr lang="en-AU" smtClean="0"/>
-              <a:t>14/04/2023</a:t>
+              <a:t>15/04/2023</a:t>
             </a:fld>
             <a:endParaRPr lang="en-AU"/>
           </a:p>
@@ -1514,7 +1514,7 @@
           <a:p>
             <a:fld id="{9C295E4B-FD35-4134-870D-432003C23A6F}" type="datetimeFigureOut">
               <a:rPr lang="en-AU" smtClean="0"/>
-              <a:t>14/04/2023</a:t>
+              <a:t>15/04/2023</a:t>
             </a:fld>
             <a:endParaRPr lang="en-AU"/>
           </a:p>
@@ -1782,7 +1782,7 @@
           <a:p>
             <a:fld id="{9C295E4B-FD35-4134-870D-432003C23A6F}" type="datetimeFigureOut">
               <a:rPr lang="en-AU" smtClean="0"/>
-              <a:t>14/04/2023</a:t>
+              <a:t>15/04/2023</a:t>
             </a:fld>
             <a:endParaRPr lang="en-AU"/>
           </a:p>
@@ -2197,7 +2197,7 @@
           <a:p>
             <a:fld id="{9C295E4B-FD35-4134-870D-432003C23A6F}" type="datetimeFigureOut">
               <a:rPr lang="en-AU" smtClean="0"/>
-              <a:t>14/04/2023</a:t>
+              <a:t>15/04/2023</a:t>
             </a:fld>
             <a:endParaRPr lang="en-AU"/>
           </a:p>
@@ -2339,7 +2339,7 @@
           <a:p>
             <a:fld id="{9C295E4B-FD35-4134-870D-432003C23A6F}" type="datetimeFigureOut">
               <a:rPr lang="en-AU" smtClean="0"/>
-              <a:t>14/04/2023</a:t>
+              <a:t>15/04/2023</a:t>
             </a:fld>
             <a:endParaRPr lang="en-AU"/>
           </a:p>
@@ -2452,7 +2452,7 @@
           <a:p>
             <a:fld id="{9C295E4B-FD35-4134-870D-432003C23A6F}" type="datetimeFigureOut">
               <a:rPr lang="en-AU" smtClean="0"/>
-              <a:t>14/04/2023</a:t>
+              <a:t>15/04/2023</a:t>
             </a:fld>
             <a:endParaRPr lang="en-AU"/>
           </a:p>
@@ -2765,7 +2765,7 @@
           <a:p>
             <a:fld id="{9C295E4B-FD35-4134-870D-432003C23A6F}" type="datetimeFigureOut">
               <a:rPr lang="en-AU" smtClean="0"/>
-              <a:t>14/04/2023</a:t>
+              <a:t>15/04/2023</a:t>
             </a:fld>
             <a:endParaRPr lang="en-AU"/>
           </a:p>
@@ -3054,7 +3054,7 @@
           <a:p>
             <a:fld id="{9C295E4B-FD35-4134-870D-432003C23A6F}" type="datetimeFigureOut">
               <a:rPr lang="en-AU" smtClean="0"/>
-              <a:t>14/04/2023</a:t>
+              <a:t>15/04/2023</a:t>
             </a:fld>
             <a:endParaRPr lang="en-AU"/>
           </a:p>
@@ -3297,7 +3297,7 @@
           <a:p>
             <a:fld id="{9C295E4B-FD35-4134-870D-432003C23A6F}" type="datetimeFigureOut">
               <a:rPr lang="en-AU" smtClean="0"/>
-              <a:t>14/04/2023</a:t>
+              <a:t>15/04/2023</a:t>
             </a:fld>
             <a:endParaRPr lang="en-AU"/>
           </a:p>
@@ -11531,11 +11531,13 @@
               <a:rPr lang="en-US" dirty="0"/>
               <a:t> from existing data </a:t>
             </a:r>
+          </a:p>
+          <a:p>
             <a:r>
               <a:rPr lang="en-US" b="0" i="0" dirty="0">
                 <a:effectLst/>
               </a:rPr>
-              <a:t>by adding </a:t>
+              <a:t>                        by adding </a:t>
             </a:r>
             <a:r>
               <a:rPr lang="en-US" b="1" i="0" dirty="0">
@@ -11549,12 +11551,6 @@
               </a:rPr>
               <a:t> </a:t>
             </a:r>
-          </a:p>
-          <a:p>
-            <a:r>
-              <a:rPr lang="en-US" dirty="0"/>
-              <a:t>                        </a:t>
-            </a:r>
             <a:r>
               <a:rPr lang="en-US" b="1" i="0" dirty="0">
                 <a:effectLst/>
@@ -11569,10 +11565,6 @@
             <a:endParaRPr lang="en-AU" sz="1200" dirty="0"/>
           </a:p>
           <a:p>
-            <a:pPr marL="285750" indent="-285750">
-              <a:buFont typeface="Arial" panose="020B0604020202020204" pitchFamily="34" charset="0"/>
-              <a:buChar char="•"/>
-            </a:pPr>
             <a:r>
               <a:rPr lang="en-US" b="0" i="1" dirty="0">
                 <a:effectLst/>
@@ -12079,54 +12071,137 @@
                             </p:stCondLst>
                             <p:childTnLst>
                               <p:par>
-                                <p:cTn id="5" presetID="1" presetClass="mediacall" presetSubtype="0" fill="hold" nodeType="clickEffect">
+                                <p:cTn id="5" presetID="1" presetClass="entr" presetSubtype="0" fill="hold" nodeType="clickEffect">
                                   <p:stCondLst>
                                     <p:cond delay="0"/>
                                   </p:stCondLst>
                                   <p:childTnLst>
-                                    <p:cmd type="call" cmd="playFrom(0.0)">
+                                    <p:set>
                                       <p:cBhvr>
-                                        <p:cTn id="6" dur="3937" fill="hold"/>
+                                        <p:cTn id="6" dur="1" fill="hold">
+                                          <p:stCondLst>
+                                            <p:cond delay="0"/>
+                                          </p:stCondLst>
+                                        </p:cTn>
                                         <p:tgtEl>
                                           <p:spTgt spid="2"/>
                                         </p:tgtEl>
+                                        <p:attrNameLst>
+                                          <p:attrName>style.visibility</p:attrName>
+                                        </p:attrNameLst>
                                       </p:cBhvr>
-                                    </p:cmd>
+                                      <p:to>
+                                        <p:strVal val="visible"/>
+                                      </p:to>
+                                    </p:set>
                                   </p:childTnLst>
                                 </p:cTn>
                               </p:par>
-                            </p:childTnLst>
-                          </p:cTn>
-                        </p:par>
-                      </p:childTnLst>
-                    </p:cTn>
-                  </p:par>
-                  <p:par>
-                    <p:cTn id="7" fill="hold">
-                      <p:stCondLst>
-                        <p:cond delay="indefinite"/>
-                      </p:stCondLst>
-                      <p:childTnLst>
-                        <p:par>
-                          <p:cTn id="8" fill="hold">
-                            <p:stCondLst>
-                              <p:cond delay="0"/>
-                            </p:stCondLst>
-                            <p:childTnLst>
                               <p:par>
-                                <p:cTn id="9" presetID="1" presetClass="mediacall" presetSubtype="0" fill="hold" nodeType="clickEffect">
+                                <p:cTn id="7" presetID="1" presetClass="entr" presetSubtype="0" fill="hold" nodeType="withEffect">
                                   <p:stCondLst>
                                     <p:cond delay="0"/>
                                   </p:stCondLst>
                                   <p:childTnLst>
-                                    <p:cmd type="call" cmd="playFrom(0.0)">
+                                    <p:set>
                                       <p:cBhvr>
-                                        <p:cTn id="10" dur="3937" fill="hold"/>
+                                        <p:cTn id="8" dur="1" fill="hold">
+                                          <p:stCondLst>
+                                            <p:cond delay="0"/>
+                                          </p:stCondLst>
+                                        </p:cTn>
                                         <p:tgtEl>
                                           <p:spTgt spid="3"/>
                                         </p:tgtEl>
+                                        <p:attrNameLst>
+                                          <p:attrName>style.visibility</p:attrName>
+                                        </p:attrNameLst>
                                       </p:cBhvr>
-                                    </p:cmd>
+                                      <p:to>
+                                        <p:strVal val="visible"/>
+                                      </p:to>
+                                    </p:set>
+                                  </p:childTnLst>
+                                </p:cTn>
+                              </p:par>
+                              <p:par>
+                                <p:cTn id="9" presetID="1" presetClass="entr" presetSubtype="0" fill="hold" nodeType="withEffect">
+                                  <p:stCondLst>
+                                    <p:cond delay="0"/>
+                                  </p:stCondLst>
+                                  <p:childTnLst>
+                                    <p:set>
+                                      <p:cBhvr>
+                                        <p:cTn id="10" dur="1" fill="hold">
+                                          <p:stCondLst>
+                                            <p:cond delay="0"/>
+                                          </p:stCondLst>
+                                        </p:cTn>
+                                        <p:tgtEl>
+                                          <p:spTgt spid="5"/>
+                                        </p:tgtEl>
+                                        <p:attrNameLst>
+                                          <p:attrName>style.visibility</p:attrName>
+                                        </p:attrNameLst>
+                                      </p:cBhvr>
+                                      <p:to>
+                                        <p:strVal val="visible"/>
+                                      </p:to>
+                                    </p:set>
+                                  </p:childTnLst>
+                                </p:cTn>
+                              </p:par>
+                              <p:par>
+                                <p:cTn id="11" presetID="1" presetClass="entr" presetSubtype="0" fill="hold" nodeType="withEffect">
+                                  <p:stCondLst>
+                                    <p:cond delay="0"/>
+                                  </p:stCondLst>
+                                  <p:childTnLst>
+                                    <p:set>
+                                      <p:cBhvr>
+                                        <p:cTn id="12" dur="1" fill="hold">
+                                          <p:stCondLst>
+                                            <p:cond delay="0"/>
+                                          </p:stCondLst>
+                                        </p:cTn>
+                                        <p:tgtEl>
+                                          <p:spTgt spid="6"/>
+                                        </p:tgtEl>
+                                        <p:attrNameLst>
+                                          <p:attrName>style.visibility</p:attrName>
+                                        </p:attrNameLst>
+                                      </p:cBhvr>
+                                      <p:to>
+                                        <p:strVal val="visible"/>
+                                      </p:to>
+                                    </p:set>
+                                  </p:childTnLst>
+                                </p:cTn>
+                              </p:par>
+                              <p:par>
+                                <p:cTn id="13" presetID="1" presetClass="entr" presetSubtype="0" fill="hold" grpId="0" nodeType="withEffect">
+                                  <p:stCondLst>
+                                    <p:cond delay="0"/>
+                                  </p:stCondLst>
+                                  <p:childTnLst>
+                                    <p:set>
+                                      <p:cBhvr>
+                                        <p:cTn id="14" dur="1" fill="hold">
+                                          <p:stCondLst>
+                                            <p:cond delay="0"/>
+                                          </p:stCondLst>
+                                        </p:cTn>
+                                        <p:tgtEl>
+                                          <p:spTgt spid="26"/>
+                                        </p:tgtEl>
+                                        <p:attrNameLst>
+                                          <p:attrName>style.visibility</p:attrName>
+                                        </p:attrNameLst>
+                                      </p:cBhvr>
+                                      <p:to>
+                                        <p:strVal val="visible"/>
+                                      </p:to>
+                                    </p:set>
                                   </p:childTnLst>
                                 </p:cTn>
                               </p:par>
@@ -12155,7 +12230,7 @@
             </p:seq>
             <p:audio>
               <p:cMediaNode vol="80000">
-                <p:cTn id="11" fill="hold" display="0">
+                <p:cTn id="15" fill="hold" display="0">
                   <p:stCondLst>
                     <p:cond delay="indefinite"/>
                   </p:stCondLst>
@@ -12174,7 +12249,7 @@
             </p:audio>
             <p:audio>
               <p:cMediaNode vol="80000">
-                <p:cTn id="12" fill="hold" display="0">
+                <p:cTn id="16" fill="hold" display="0">
                   <p:stCondLst>
                     <p:cond delay="indefinite"/>
                   </p:stCondLst>
@@ -12195,6 +12270,9 @@
         </p:cTn>
       </p:par>
     </p:tnLst>
+    <p:bldLst>
+      <p:bldP spid="26" grpId="0"/>
+    </p:bldLst>
   </p:timing>
 </p:sld>
 </file>
